--- a/Angular_Presentation.pptx
+++ b/Angular_Presentation.pptx
@@ -47,66 +47,67 @@
     <p:sldId id="283" r:id="rId41"/>
     <p:sldId id="284" r:id="rId42"/>
     <p:sldId id="285" r:id="rId43"/>
-    <p:sldId id="286" r:id="rId44"/>
-    <p:sldId id="287" r:id="rId45"/>
-    <p:sldId id="288" r:id="rId46"/>
-    <p:sldId id="289" r:id="rId47"/>
-    <p:sldId id="290" r:id="rId48"/>
-    <p:sldId id="291" r:id="rId49"/>
-    <p:sldId id="292" r:id="rId50"/>
-    <p:sldId id="293" r:id="rId51"/>
-    <p:sldId id="294" r:id="rId52"/>
-    <p:sldId id="295" r:id="rId53"/>
-    <p:sldId id="296" r:id="rId54"/>
-    <p:sldId id="297" r:id="rId55"/>
-    <p:sldId id="298" r:id="rId56"/>
-    <p:sldId id="299" r:id="rId57"/>
-    <p:sldId id="300" r:id="rId58"/>
-    <p:sldId id="301" r:id="rId59"/>
-    <p:sldId id="302" r:id="rId60"/>
-    <p:sldId id="303" r:id="rId61"/>
-    <p:sldId id="304" r:id="rId62"/>
-    <p:sldId id="305" r:id="rId63"/>
-    <p:sldId id="306" r:id="rId64"/>
-    <p:sldId id="307" r:id="rId65"/>
-    <p:sldId id="308" r:id="rId66"/>
-    <p:sldId id="309" r:id="rId67"/>
-    <p:sldId id="310" r:id="rId68"/>
-    <p:sldId id="311" r:id="rId69"/>
-    <p:sldId id="312" r:id="rId70"/>
-    <p:sldId id="313" r:id="rId71"/>
-    <p:sldId id="314" r:id="rId72"/>
-    <p:sldId id="315" r:id="rId73"/>
-    <p:sldId id="316" r:id="rId74"/>
-    <p:sldId id="317" r:id="rId75"/>
-    <p:sldId id="318" r:id="rId76"/>
-    <p:sldId id="319" r:id="rId77"/>
-    <p:sldId id="320" r:id="rId78"/>
-    <p:sldId id="321" r:id="rId79"/>
-    <p:sldId id="322" r:id="rId80"/>
-    <p:sldId id="323" r:id="rId81"/>
-    <p:sldId id="324" r:id="rId82"/>
-    <p:sldId id="325" r:id="rId83"/>
-    <p:sldId id="326" r:id="rId84"/>
-    <p:sldId id="327" r:id="rId85"/>
-    <p:sldId id="328" r:id="rId86"/>
-    <p:sldId id="329" r:id="rId87"/>
-    <p:sldId id="330" r:id="rId88"/>
-    <p:sldId id="331" r:id="rId89"/>
-    <p:sldId id="332" r:id="rId90"/>
-    <p:sldId id="333" r:id="rId91"/>
-    <p:sldId id="334" r:id="rId92"/>
-    <p:sldId id="335" r:id="rId93"/>
-    <p:sldId id="336" r:id="rId94"/>
-    <p:sldId id="337" r:id="rId95"/>
-    <p:sldId id="338" r:id="rId96"/>
-    <p:sldId id="339" r:id="rId97"/>
-    <p:sldId id="340" r:id="rId98"/>
-    <p:sldId id="341" r:id="rId99"/>
-    <p:sldId id="342" r:id="rId100"/>
-    <p:sldId id="343" r:id="rId101"/>
-    <p:sldId id="344" r:id="rId102"/>
-    <p:sldId id="345" r:id="rId103"/>
+    <p:sldId id="359" r:id="rId44"/>
+    <p:sldId id="286" r:id="rId45"/>
+    <p:sldId id="287" r:id="rId46"/>
+    <p:sldId id="288" r:id="rId47"/>
+    <p:sldId id="289" r:id="rId48"/>
+    <p:sldId id="290" r:id="rId49"/>
+    <p:sldId id="291" r:id="rId50"/>
+    <p:sldId id="292" r:id="rId51"/>
+    <p:sldId id="293" r:id="rId52"/>
+    <p:sldId id="294" r:id="rId53"/>
+    <p:sldId id="295" r:id="rId54"/>
+    <p:sldId id="296" r:id="rId55"/>
+    <p:sldId id="297" r:id="rId56"/>
+    <p:sldId id="298" r:id="rId57"/>
+    <p:sldId id="299" r:id="rId58"/>
+    <p:sldId id="300" r:id="rId59"/>
+    <p:sldId id="301" r:id="rId60"/>
+    <p:sldId id="302" r:id="rId61"/>
+    <p:sldId id="303" r:id="rId62"/>
+    <p:sldId id="304" r:id="rId63"/>
+    <p:sldId id="305" r:id="rId64"/>
+    <p:sldId id="306" r:id="rId65"/>
+    <p:sldId id="307" r:id="rId66"/>
+    <p:sldId id="308" r:id="rId67"/>
+    <p:sldId id="309" r:id="rId68"/>
+    <p:sldId id="310" r:id="rId69"/>
+    <p:sldId id="311" r:id="rId70"/>
+    <p:sldId id="312" r:id="rId71"/>
+    <p:sldId id="313" r:id="rId72"/>
+    <p:sldId id="314" r:id="rId73"/>
+    <p:sldId id="315" r:id="rId74"/>
+    <p:sldId id="316" r:id="rId75"/>
+    <p:sldId id="317" r:id="rId76"/>
+    <p:sldId id="318" r:id="rId77"/>
+    <p:sldId id="319" r:id="rId78"/>
+    <p:sldId id="320" r:id="rId79"/>
+    <p:sldId id="321" r:id="rId80"/>
+    <p:sldId id="322" r:id="rId81"/>
+    <p:sldId id="323" r:id="rId82"/>
+    <p:sldId id="324" r:id="rId83"/>
+    <p:sldId id="325" r:id="rId84"/>
+    <p:sldId id="326" r:id="rId85"/>
+    <p:sldId id="327" r:id="rId86"/>
+    <p:sldId id="328" r:id="rId87"/>
+    <p:sldId id="329" r:id="rId88"/>
+    <p:sldId id="330" r:id="rId89"/>
+    <p:sldId id="331" r:id="rId90"/>
+    <p:sldId id="332" r:id="rId91"/>
+    <p:sldId id="333" r:id="rId92"/>
+    <p:sldId id="334" r:id="rId93"/>
+    <p:sldId id="335" r:id="rId94"/>
+    <p:sldId id="336" r:id="rId95"/>
+    <p:sldId id="337" r:id="rId96"/>
+    <p:sldId id="338" r:id="rId97"/>
+    <p:sldId id="339" r:id="rId98"/>
+    <p:sldId id="340" r:id="rId99"/>
+    <p:sldId id="341" r:id="rId100"/>
+    <p:sldId id="342" r:id="rId101"/>
+    <p:sldId id="343" r:id="rId102"/>
+    <p:sldId id="344" r:id="rId103"/>
+    <p:sldId id="345" r:id="rId104"/>
   </p:sldIdLst>
   <p:sldSz cx="9144000" cy="6858000" type="screen4x3"/>
   <p:notesSz cx="6858000" cy="9144000"/>
@@ -389,7 +390,7 @@
           <a:p>
             <a:fld id="{D2D6D017-D3CB-4507-8D17-150FA99748DC}" type="datetimeFigureOut">
               <a:rPr lang="en-IN" smtClean="0"/>
-              <a:t>11-07-2023</a:t>
+              <a:t>13-07-2023</a:t>
             </a:fld>
             <a:endParaRPr lang="en-IN"/>
           </a:p>
@@ -559,7 +560,7 @@
           <a:p>
             <a:fld id="{D2D6D017-D3CB-4507-8D17-150FA99748DC}" type="datetimeFigureOut">
               <a:rPr lang="en-IN" smtClean="0"/>
-              <a:t>11-07-2023</a:t>
+              <a:t>13-07-2023</a:t>
             </a:fld>
             <a:endParaRPr lang="en-IN"/>
           </a:p>
@@ -739,7 +740,7 @@
           <a:p>
             <a:fld id="{D2D6D017-D3CB-4507-8D17-150FA99748DC}" type="datetimeFigureOut">
               <a:rPr lang="en-IN" smtClean="0"/>
-              <a:t>11-07-2023</a:t>
+              <a:t>13-07-2023</a:t>
             </a:fld>
             <a:endParaRPr lang="en-IN"/>
           </a:p>
@@ -909,7 +910,7 @@
           <a:p>
             <a:fld id="{D2D6D017-D3CB-4507-8D17-150FA99748DC}" type="datetimeFigureOut">
               <a:rPr lang="en-IN" smtClean="0"/>
-              <a:t>11-07-2023</a:t>
+              <a:t>13-07-2023</a:t>
             </a:fld>
             <a:endParaRPr lang="en-IN"/>
           </a:p>
@@ -1155,7 +1156,7 @@
           <a:p>
             <a:fld id="{D2D6D017-D3CB-4507-8D17-150FA99748DC}" type="datetimeFigureOut">
               <a:rPr lang="en-IN" smtClean="0"/>
-              <a:t>11-07-2023</a:t>
+              <a:t>13-07-2023</a:t>
             </a:fld>
             <a:endParaRPr lang="en-IN"/>
           </a:p>
@@ -1443,7 +1444,7 @@
           <a:p>
             <a:fld id="{D2D6D017-D3CB-4507-8D17-150FA99748DC}" type="datetimeFigureOut">
               <a:rPr lang="en-IN" smtClean="0"/>
-              <a:t>11-07-2023</a:t>
+              <a:t>13-07-2023</a:t>
             </a:fld>
             <a:endParaRPr lang="en-IN"/>
           </a:p>
@@ -1865,7 +1866,7 @@
           <a:p>
             <a:fld id="{D2D6D017-D3CB-4507-8D17-150FA99748DC}" type="datetimeFigureOut">
               <a:rPr lang="en-IN" smtClean="0"/>
-              <a:t>11-07-2023</a:t>
+              <a:t>13-07-2023</a:t>
             </a:fld>
             <a:endParaRPr lang="en-IN"/>
           </a:p>
@@ -1983,7 +1984,7 @@
           <a:p>
             <a:fld id="{D2D6D017-D3CB-4507-8D17-150FA99748DC}" type="datetimeFigureOut">
               <a:rPr lang="en-IN" smtClean="0"/>
-              <a:t>11-07-2023</a:t>
+              <a:t>13-07-2023</a:t>
             </a:fld>
             <a:endParaRPr lang="en-IN"/>
           </a:p>
@@ -2078,7 +2079,7 @@
           <a:p>
             <a:fld id="{D2D6D017-D3CB-4507-8D17-150FA99748DC}" type="datetimeFigureOut">
               <a:rPr lang="en-IN" smtClean="0"/>
-              <a:t>11-07-2023</a:t>
+              <a:t>13-07-2023</a:t>
             </a:fld>
             <a:endParaRPr lang="en-IN"/>
           </a:p>
@@ -2355,7 +2356,7 @@
           <a:p>
             <a:fld id="{D2D6D017-D3CB-4507-8D17-150FA99748DC}" type="datetimeFigureOut">
               <a:rPr lang="en-IN" smtClean="0"/>
-              <a:t>11-07-2023</a:t>
+              <a:t>13-07-2023</a:t>
             </a:fld>
             <a:endParaRPr lang="en-IN"/>
           </a:p>
@@ -2608,7 +2609,7 @@
           <a:p>
             <a:fld id="{D2D6D017-D3CB-4507-8D17-150FA99748DC}" type="datetimeFigureOut">
               <a:rPr lang="en-IN" smtClean="0"/>
-              <a:t>11-07-2023</a:t>
+              <a:t>13-07-2023</a:t>
             </a:fld>
             <a:endParaRPr lang="en-IN"/>
           </a:p>
@@ -2821,7 +2822,7 @@
           <a:p>
             <a:fld id="{D2D6D017-D3CB-4507-8D17-150FA99748DC}" type="datetimeFigureOut">
               <a:rPr lang="en-IN" smtClean="0"/>
-              <a:t>11-07-2023</a:t>
+              <a:t>13-07-2023</a:t>
             </a:fld>
             <a:endParaRPr lang="en-IN"/>
           </a:p>
@@ -3586,6 +3587,74 @@
 </p:sld>
 </file>
 
+<file path=ppt/slides/slide103.xml><?xml version="1.0" encoding="utf-8"?>
+<p:sld xmlns:a="http://schemas.openxmlformats.org/drawingml/2006/main" xmlns:r="http://schemas.openxmlformats.org/officeDocument/2006/relationships" xmlns:p="http://schemas.openxmlformats.org/presentationml/2006/main">
+  <p:cSld>
+    <p:spTree>
+      <p:nvGrpSpPr>
+        <p:cNvPr id="1" name=""/>
+        <p:cNvGrpSpPr/>
+        <p:nvPr/>
+      </p:nvGrpSpPr>
+      <p:grpSpPr>
+        <a:xfrm>
+          <a:off x="0" y="0"/>
+          <a:ext cx="0" cy="0"/>
+          <a:chOff x="0" y="0"/>
+          <a:chExt cx="0" cy="0"/>
+        </a:xfrm>
+      </p:grpSpPr>
+      <p:sp>
+        <p:nvSpPr>
+          <p:cNvPr id="2" name="Title 1"/>
+          <p:cNvSpPr>
+            <a:spLocks noGrp="1"/>
+          </p:cNvSpPr>
+          <p:nvPr>
+            <p:ph type="title"/>
+          </p:nvPr>
+        </p:nvSpPr>
+        <p:spPr/>
+        <p:txBody>
+          <a:bodyPr/>
+          <a:lstStyle/>
+          <a:p>
+            <a:endParaRPr lang="en-IN"/>
+          </a:p>
+        </p:txBody>
+      </p:sp>
+      <p:sp>
+        <p:nvSpPr>
+          <p:cNvPr id="3" name="Content Placeholder 2"/>
+          <p:cNvSpPr>
+            <a:spLocks noGrp="1"/>
+          </p:cNvSpPr>
+          <p:nvPr>
+            <p:ph idx="1"/>
+          </p:nvPr>
+        </p:nvSpPr>
+        <p:spPr/>
+        <p:txBody>
+          <a:bodyPr/>
+          <a:lstStyle/>
+          <a:p>
+            <a:endParaRPr lang="en-IN"/>
+          </a:p>
+        </p:txBody>
+      </p:sp>
+    </p:spTree>
+    <p:extLst>
+      <p:ext uri="{BB962C8B-B14F-4D97-AF65-F5344CB8AC3E}">
+        <p14:creationId xmlns:p14="http://schemas.microsoft.com/office/powerpoint/2010/main" val="1582017309"/>
+      </p:ext>
+    </p:extLst>
+  </p:cSld>
+  <p:clrMapOvr>
+    <a:masterClrMapping/>
+  </p:clrMapOvr>
+</p:sld>
+</file>
+
 <file path=ppt/slides/slide11.xml><?xml version="1.0" encoding="utf-8"?>
 <p:sld xmlns:a="http://schemas.openxmlformats.org/drawingml/2006/main" xmlns:r="http://schemas.openxmlformats.org/officeDocument/2006/relationships" xmlns:p="http://schemas.openxmlformats.org/presentationml/2006/main">
   <p:cSld>
@@ -6320,10 +6389,36 @@
         </p:nvSpPr>
         <p:spPr/>
         <p:txBody>
-          <a:bodyPr/>
-          <a:lstStyle/>
-          <a:p>
-            <a:endParaRPr lang="en-IN"/>
+          <a:bodyPr>
+            <a:normAutofit fontScale="85000" lnSpcReduction="10000"/>
+          </a:bodyPr>
+          <a:lstStyle/>
+          <a:p>
+            <a:r>
+              <a:rPr lang="en-US" dirty="0"/>
+              <a:t>When you have worked with objects earlier on you have created a student object using the object literal syntax with a first name, last name and score.</a:t>
+            </a:r>
+          </a:p>
+          <a:p>
+            <a:endParaRPr lang="en-US" dirty="0"/>
+          </a:p>
+          <a:p>
+            <a:r>
+              <a:rPr lang="en-US" dirty="0"/>
+              <a:t>When we create objects like this directly we cannot make sure that the objects are created consistently across our huge applications that we develop. </a:t>
+            </a:r>
+          </a:p>
+          <a:p>
+            <a:endParaRPr lang="en-US" dirty="0"/>
+          </a:p>
+          <a:p>
+            <a:r>
+              <a:rPr lang="en-US" dirty="0"/>
+              <a:t>One developer might not even use these two fields here and one developer might just use the score and so on accidentally.</a:t>
+            </a:r>
+          </a:p>
+          <a:p>
+            <a:endParaRPr lang="en-US" dirty="0"/>
           </a:p>
         </p:txBody>
       </p:sp>
@@ -6395,10 +6490,77 @@
         </p:nvSpPr>
         <p:spPr/>
         <p:txBody>
-          <a:bodyPr/>
-          <a:lstStyle/>
-          <a:p>
-            <a:endParaRPr lang="en-IN"/>
+          <a:bodyPr>
+            <a:normAutofit fontScale="70000" lnSpcReduction="20000"/>
+          </a:bodyPr>
+          <a:lstStyle/>
+          <a:p>
+            <a:endParaRPr lang="en-US" dirty="0" smtClean="0"/>
+          </a:p>
+          <a:p>
+            <a:r>
+              <a:rPr lang="en-US" dirty="0"/>
+              <a:t>So to prevent that from happening, to have a standard set of rules for this student object, we can use an interface. So an interface in TypeScript defines all the rules that an object, a function, an array or even classes should follow</a:t>
+            </a:r>
+            <a:r>
+              <a:rPr lang="en-US" dirty="0" smtClean="0"/>
+              <a:t>.</a:t>
+            </a:r>
+            <a:endParaRPr lang="en-IN" dirty="0"/>
+          </a:p>
+          <a:p>
+            <a:pPr marL="0" indent="0">
+              <a:buNone/>
+            </a:pPr>
+            <a:endParaRPr lang="en-US" dirty="0" smtClean="0"/>
+          </a:p>
+          <a:p>
+            <a:r>
+              <a:rPr lang="en-US" dirty="0" smtClean="0"/>
+              <a:t>You </a:t>
+            </a:r>
+            <a:r>
+              <a:rPr lang="en-US" dirty="0"/>
+              <a:t>define an interface using interface keyword, followed by the interface name and within the body you specify all the properties that any object that subscribes or complies with this interface should have. </a:t>
+            </a:r>
+            <a:endParaRPr lang="en-US" dirty="0" smtClean="0"/>
+          </a:p>
+          <a:p>
+            <a:pPr marL="0" indent="0">
+              <a:buNone/>
+            </a:pPr>
+            <a:endParaRPr lang="en-US" dirty="0"/>
+          </a:p>
+          <a:p>
+            <a:r>
+              <a:rPr lang="en-US" dirty="0"/>
+              <a:t>Here we only define the property name and its type. </a:t>
+            </a:r>
+            <a:r>
+              <a:rPr lang="en-US" dirty="0" err="1"/>
+              <a:t>firstName</a:t>
+            </a:r>
+            <a:r>
+              <a:rPr lang="en-US" dirty="0"/>
+              <a:t>, </a:t>
+            </a:r>
+            <a:r>
+              <a:rPr lang="en-US" dirty="0" err="1"/>
+              <a:t>lastName</a:t>
+            </a:r>
+            <a:r>
+              <a:rPr lang="en-US" dirty="0"/>
+              <a:t>, score is of by number and then you </a:t>
+            </a:r>
+            <a:r>
+              <a:rPr lang="en-US" dirty="0" smtClean="0"/>
+              <a:t>can also </a:t>
+            </a:r>
+            <a:r>
+              <a:rPr lang="en-US" dirty="0"/>
+              <a:t>define functions or methods as well.</a:t>
+            </a:r>
+            <a:endParaRPr lang="en-IN" dirty="0"/>
           </a:p>
         </p:txBody>
       </p:sp>
@@ -6432,44 +6594,70 @@
           <a:chExt cx="0" cy="0"/>
         </a:xfrm>
       </p:grpSpPr>
-      <p:sp>
-        <p:nvSpPr>
-          <p:cNvPr id="2" name="Title 1"/>
-          <p:cNvSpPr>
-            <a:spLocks noGrp="1"/>
-          </p:cNvSpPr>
-          <p:nvPr>
-            <p:ph type="title"/>
-          </p:nvPr>
-        </p:nvSpPr>
-        <p:spPr/>
-        <p:txBody>
-          <a:bodyPr/>
-          <a:lstStyle/>
-          <a:p>
-            <a:endParaRPr lang="en-IN"/>
-          </a:p>
-        </p:txBody>
-      </p:sp>
-      <p:sp>
-        <p:nvSpPr>
-          <p:cNvPr id="3" name="Content Placeholder 2"/>
-          <p:cNvSpPr>
-            <a:spLocks noGrp="1"/>
-          </p:cNvSpPr>
-          <p:nvPr>
-            <p:ph idx="1"/>
-          </p:nvPr>
-        </p:nvSpPr>
-        <p:spPr/>
-        <p:txBody>
-          <a:bodyPr/>
-          <a:lstStyle/>
-          <a:p>
-            <a:endParaRPr lang="en-IN"/>
-          </a:p>
-        </p:txBody>
-      </p:sp>
+      <p:pic>
+        <p:nvPicPr>
+          <p:cNvPr id="1026" name="Picture 2"/>
+          <p:cNvPicPr>
+            <a:picLocks noChangeAspect="1" noChangeArrowheads="1"/>
+          </p:cNvPicPr>
+          <p:nvPr/>
+        </p:nvPicPr>
+        <p:blipFill>
+          <a:blip r:embed="rId2">
+            <a:extLst>
+              <a:ext uri="{28A0092B-C50C-407E-A947-70E740481C1C}">
+                <a14:useLocalDpi xmlns:a14="http://schemas.microsoft.com/office/drawing/2010/main" val="0"/>
+              </a:ext>
+            </a:extLst>
+          </a:blip>
+          <a:srcRect/>
+          <a:stretch>
+            <a:fillRect/>
+          </a:stretch>
+        </p:blipFill>
+        <p:spPr bwMode="auto">
+          <a:xfrm>
+            <a:off x="1614488" y="1214438"/>
+            <a:ext cx="6485904" cy="4429125"/>
+          </a:xfrm>
+          <a:prstGeom prst="rect">
+            <a:avLst/>
+          </a:prstGeom>
+          <a:noFill/>
+          <a:ln>
+            <a:noFill/>
+          </a:ln>
+          <a:effectLst/>
+          <a:extLst>
+            <a:ext uri="{909E8E84-426E-40DD-AFC4-6F175D3DCCD1}">
+              <a14:hiddenFill xmlns:a14="http://schemas.microsoft.com/office/drawing/2010/main">
+                <a:solidFill>
+                  <a:schemeClr val="accent1"/>
+                </a:solidFill>
+              </a14:hiddenFill>
+            </a:ext>
+            <a:ext uri="{91240B29-F687-4F45-9708-019B960494DF}">
+              <a14:hiddenLine xmlns:a14="http://schemas.microsoft.com/office/drawing/2010/main" w="9525">
+                <a:solidFill>
+                  <a:schemeClr val="tx1"/>
+                </a:solidFill>
+                <a:miter lim="800000"/>
+                <a:headEnd/>
+                <a:tailEnd/>
+              </a14:hiddenLine>
+            </a:ext>
+            <a:ext uri="{AF507438-7753-43E0-B8FC-AC1667EBCBE1}">
+              <a14:hiddenEffects xmlns:a14="http://schemas.microsoft.com/office/drawing/2010/main">
+                <a:effectLst>
+                  <a:outerShdw dist="35921" dir="2700000" algn="ctr" rotWithShape="0">
+                    <a:schemeClr val="bg2"/>
+                  </a:outerShdw>
+                </a:effectLst>
+              </a14:hiddenEffects>
+            </a:ext>
+          </a:extLst>
+        </p:spPr>
+      </p:pic>
     </p:spTree>
     <p:extLst>
       <p:ext uri="{BB962C8B-B14F-4D97-AF65-F5344CB8AC3E}">
@@ -6531,10 +6719,45 @@
         </p:nvSpPr>
         <p:spPr/>
         <p:txBody>
-          <a:bodyPr/>
-          <a:lstStyle/>
-          <a:p>
-            <a:endParaRPr lang="en-IN"/>
+          <a:bodyPr>
+            <a:normAutofit fontScale="77500" lnSpcReduction="20000"/>
+          </a:bodyPr>
+          <a:lstStyle/>
+          <a:p>
+            <a:r>
+              <a:rPr lang="en-US" dirty="0"/>
+              <a:t>So any object that subscribes to this interface or complies with this interface should have all these properties.</a:t>
+            </a:r>
+          </a:p>
+          <a:p>
+            <a:endParaRPr lang="en-US" dirty="0"/>
+          </a:p>
+          <a:p>
+            <a:r>
+              <a:rPr lang="en-US" dirty="0"/>
+              <a:t>So an interface acts like a contract.</a:t>
+            </a:r>
+          </a:p>
+          <a:p>
+            <a:endParaRPr lang="en-US" dirty="0"/>
+          </a:p>
+          <a:p>
+            <a:r>
+              <a:rPr lang="en-US" dirty="0"/>
+              <a:t>Don't think about inheritance here. In programming languages like Java, you use inheritance or you use interfaces to implement inheritance as well, but that is not the case here. </a:t>
+            </a:r>
+          </a:p>
+          <a:p>
+            <a:endParaRPr lang="en-US" dirty="0"/>
+          </a:p>
+          <a:p>
+            <a:r>
+              <a:rPr lang="en-US" dirty="0"/>
+              <a:t>In TypeScript, it is strictly to define a contract that our objects can follow and it is only compiled time.</a:t>
+            </a:r>
+          </a:p>
+          <a:p>
+            <a:endParaRPr lang="en-IN" dirty="0"/>
           </a:p>
         </p:txBody>
       </p:sp>
@@ -6599,10 +6822,60 @@
         </p:nvSpPr>
         <p:spPr/>
         <p:txBody>
-          <a:bodyPr/>
-          <a:lstStyle/>
-          <a:p>
-            <a:endParaRPr lang="en-IN"/>
+          <a:bodyPr>
+            <a:normAutofit fontScale="77500" lnSpcReduction="20000"/>
+          </a:bodyPr>
+          <a:lstStyle/>
+          <a:p>
+            <a:pPr marL="0" indent="0">
+              <a:buNone/>
+            </a:pPr>
+            <a:endParaRPr lang="en-US" dirty="0"/>
+          </a:p>
+          <a:p>
+            <a:endParaRPr lang="en-US" dirty="0"/>
+          </a:p>
+          <a:p>
+            <a:r>
+              <a:rPr lang="en-US" dirty="0"/>
+              <a:t>So once the code is compiled, once the JavaScript is generated there is no concept of interface at all.</a:t>
+            </a:r>
+          </a:p>
+          <a:p>
+            <a:endParaRPr lang="en-US" dirty="0"/>
+          </a:p>
+          <a:p>
+            <a:r>
+              <a:rPr lang="en-US" dirty="0"/>
+              <a:t>The interfaces will be erased.</a:t>
+            </a:r>
+          </a:p>
+          <a:p>
+            <a:pPr marL="0" indent="0">
+              <a:buNone/>
+            </a:pPr>
+            <a:endParaRPr lang="en-US" dirty="0"/>
+          </a:p>
+          <a:p>
+            <a:r>
+              <a:rPr lang="en-US" dirty="0"/>
+              <a:t>You can also define interfaces for functions as well as arrays.</a:t>
+            </a:r>
+          </a:p>
+          <a:p>
+            <a:endParaRPr lang="en-US" dirty="0"/>
+          </a:p>
+          <a:p>
+            <a:r>
+              <a:rPr lang="en-US" dirty="0"/>
+              <a:t>And when you work with classes later on, you can define interfaces for your classes as well.</a:t>
+            </a:r>
+          </a:p>
+          <a:p>
+            <a:endParaRPr lang="en-US" dirty="0"/>
+          </a:p>
+          <a:p>
+            <a:endParaRPr lang="en-IN" dirty="0"/>
           </a:p>
         </p:txBody>
       </p:sp>
@@ -6651,7 +6924,11 @@
           <a:bodyPr/>
           <a:lstStyle/>
           <a:p>
-            <a:endParaRPr lang="en-IN"/>
+            <a:r>
+              <a:rPr lang="en-US" dirty="0" smtClean="0"/>
+              <a:t>Classes</a:t>
+            </a:r>
+            <a:endParaRPr lang="en-IN" dirty="0"/>
           </a:p>
         </p:txBody>
       </p:sp>
@@ -6667,10 +6944,54 @@
         </p:nvSpPr>
         <p:spPr/>
         <p:txBody>
-          <a:bodyPr/>
-          <a:lstStyle/>
-          <a:p>
-            <a:endParaRPr lang="en-IN"/>
+          <a:bodyPr>
+            <a:normAutofit fontScale="77500" lnSpcReduction="20000"/>
+          </a:bodyPr>
+          <a:lstStyle/>
+          <a:p>
+            <a:r>
+              <a:rPr lang="en-US" dirty="0"/>
+              <a:t>Classes are blueprints for objects. Using classes we can define rules and much more.</a:t>
+            </a:r>
+          </a:p>
+          <a:p>
+            <a:endParaRPr lang="en-US" dirty="0"/>
+          </a:p>
+          <a:p>
+            <a:r>
+              <a:rPr lang="en-US" dirty="0"/>
+              <a:t>The same thing when we dealt with interfaces. But classes are not like interfaces.</a:t>
+            </a:r>
+          </a:p>
+          <a:p>
+            <a:endParaRPr lang="en-US" dirty="0"/>
+          </a:p>
+          <a:p>
+            <a:r>
+              <a:rPr lang="en-US" dirty="0"/>
+              <a:t>Along with the set of rules we'll also provide the implementation for the methods, we can define constructors, accessor methods and much more.</a:t>
+            </a:r>
+          </a:p>
+          <a:p>
+            <a:endParaRPr lang="en-US" dirty="0"/>
+          </a:p>
+          <a:p>
+            <a:r>
+              <a:rPr lang="en-US" dirty="0"/>
+              <a:t>And classes are not just a compile time thing like interfaces. Interfaces in TypeScript exist only during the compilation time and they will be erased by the compiler.</a:t>
+            </a:r>
+          </a:p>
+          <a:p>
+            <a:endParaRPr lang="en-US" dirty="0"/>
+          </a:p>
+          <a:p>
+            <a:endParaRPr lang="en-US" dirty="0"/>
+          </a:p>
+          <a:p>
+            <a:endParaRPr lang="en-US" dirty="0"/>
+          </a:p>
+          <a:p>
+            <a:endParaRPr lang="en-IN" dirty="0"/>
           </a:p>
         </p:txBody>
       </p:sp>
@@ -6735,10 +7056,71 @@
         </p:nvSpPr>
         <p:spPr/>
         <p:txBody>
-          <a:bodyPr/>
-          <a:lstStyle/>
-          <a:p>
-            <a:endParaRPr lang="en-IN"/>
+          <a:bodyPr>
+            <a:normAutofit fontScale="62500" lnSpcReduction="20000"/>
+          </a:bodyPr>
+          <a:lstStyle/>
+          <a:p>
+            <a:r>
+              <a:rPr lang="en-US" dirty="0"/>
+              <a:t>But classes exist even at runtime and they are a blueprint or a template to create our objects.</a:t>
+            </a:r>
+          </a:p>
+          <a:p>
+            <a:endParaRPr lang="en-US" dirty="0"/>
+          </a:p>
+          <a:p>
+            <a:r>
+              <a:rPr lang="en-US" dirty="0"/>
+              <a:t>Here, we have a Flight class with two fields on it, </a:t>
+            </a:r>
+            <a:r>
+              <a:rPr lang="en-US" dirty="0" err="1"/>
+              <a:t>flightNo</a:t>
+            </a:r>
+            <a:r>
+              <a:rPr lang="en-US" dirty="0"/>
+              <a:t> and airlines.</a:t>
+            </a:r>
+          </a:p>
+          <a:p>
+            <a:endParaRPr lang="en-US" dirty="0"/>
+          </a:p>
+          <a:p>
+            <a:r>
+              <a:rPr lang="en-US" dirty="0"/>
+              <a:t>And it also has the implementation for the display method. When we create an object using this class,</a:t>
+            </a:r>
+          </a:p>
+          <a:p>
+            <a:endParaRPr lang="en-US" dirty="0"/>
+          </a:p>
+          <a:p>
+            <a:r>
+              <a:rPr lang="en-US" dirty="0"/>
+              <a:t>we can create any number of objects of this class.</a:t>
+            </a:r>
+          </a:p>
+          <a:p>
+            <a:endParaRPr lang="en-US" dirty="0"/>
+          </a:p>
+          <a:p>
+            <a:r>
+              <a:rPr lang="en-US" dirty="0"/>
+              <a:t>And when you do that they will get these two properties and also this implementation.</a:t>
+            </a:r>
+          </a:p>
+          <a:p>
+            <a:endParaRPr lang="en-US" dirty="0"/>
+          </a:p>
+          <a:p>
+            <a:r>
+              <a:rPr lang="en-US" dirty="0"/>
+              <a:t>And if you define constructors, accessor methods, all those objects will get those constructors and the accessor methods as well.</a:t>
+            </a:r>
+          </a:p>
+          <a:p>
+            <a:endParaRPr lang="en-IN" dirty="0"/>
           </a:p>
         </p:txBody>
       </p:sp>
@@ -6772,44 +7154,70 @@
           <a:chExt cx="0" cy="0"/>
         </a:xfrm>
       </p:grpSpPr>
-      <p:sp>
-        <p:nvSpPr>
-          <p:cNvPr id="2" name="Title 1"/>
-          <p:cNvSpPr>
-            <a:spLocks noGrp="1"/>
-          </p:cNvSpPr>
-          <p:nvPr>
-            <p:ph type="title"/>
-          </p:nvPr>
-        </p:nvSpPr>
-        <p:spPr/>
-        <p:txBody>
-          <a:bodyPr/>
-          <a:lstStyle/>
-          <a:p>
-            <a:endParaRPr lang="en-IN"/>
-          </a:p>
-        </p:txBody>
-      </p:sp>
-      <p:sp>
-        <p:nvSpPr>
-          <p:cNvPr id="3" name="Content Placeholder 2"/>
-          <p:cNvSpPr>
-            <a:spLocks noGrp="1"/>
-          </p:cNvSpPr>
-          <p:nvPr>
-            <p:ph idx="1"/>
-          </p:nvPr>
-        </p:nvSpPr>
-        <p:spPr/>
-        <p:txBody>
-          <a:bodyPr/>
-          <a:lstStyle/>
-          <a:p>
-            <a:endParaRPr lang="en-IN"/>
-          </a:p>
-        </p:txBody>
-      </p:sp>
+      <p:pic>
+        <p:nvPicPr>
+          <p:cNvPr id="2050" name="Picture 2"/>
+          <p:cNvPicPr>
+            <a:picLocks noChangeAspect="1" noChangeArrowheads="1"/>
+          </p:cNvPicPr>
+          <p:nvPr/>
+        </p:nvPicPr>
+        <p:blipFill>
+          <a:blip r:embed="rId2">
+            <a:extLst>
+              <a:ext uri="{28A0092B-C50C-407E-A947-70E740481C1C}">
+                <a14:useLocalDpi xmlns:a14="http://schemas.microsoft.com/office/drawing/2010/main" val="0"/>
+              </a:ext>
+            </a:extLst>
+          </a:blip>
+          <a:srcRect/>
+          <a:stretch>
+            <a:fillRect/>
+          </a:stretch>
+        </p:blipFill>
+        <p:spPr bwMode="auto">
+          <a:xfrm>
+            <a:off x="847725" y="1409700"/>
+            <a:ext cx="7448550" cy="4038600"/>
+          </a:xfrm>
+          <a:prstGeom prst="rect">
+            <a:avLst/>
+          </a:prstGeom>
+          <a:noFill/>
+          <a:ln>
+            <a:noFill/>
+          </a:ln>
+          <a:effectLst/>
+          <a:extLst>
+            <a:ext uri="{909E8E84-426E-40DD-AFC4-6F175D3DCCD1}">
+              <a14:hiddenFill xmlns:a14="http://schemas.microsoft.com/office/drawing/2010/main">
+                <a:solidFill>
+                  <a:schemeClr val="accent1"/>
+                </a:solidFill>
+              </a14:hiddenFill>
+            </a:ext>
+            <a:ext uri="{91240B29-F687-4F45-9708-019B960494DF}">
+              <a14:hiddenLine xmlns:a14="http://schemas.microsoft.com/office/drawing/2010/main" w="9525">
+                <a:solidFill>
+                  <a:schemeClr val="tx1"/>
+                </a:solidFill>
+                <a:miter lim="800000"/>
+                <a:headEnd/>
+                <a:tailEnd/>
+              </a14:hiddenLine>
+            </a:ext>
+            <a:ext uri="{AF507438-7753-43E0-B8FC-AC1667EBCBE1}">
+              <a14:hiddenEffects xmlns:a14="http://schemas.microsoft.com/office/drawing/2010/main">
+                <a:effectLst>
+                  <a:outerShdw dist="35921" dir="2700000" algn="ctr" rotWithShape="0">
+                    <a:schemeClr val="bg2"/>
+                  </a:outerShdw>
+                </a:effectLst>
+              </a14:hiddenEffects>
+            </a:ext>
+          </a:extLst>
+        </p:spPr>
+      </p:pic>
     </p:spTree>
     <p:extLst>
       <p:ext uri="{BB962C8B-B14F-4D97-AF65-F5344CB8AC3E}">
@@ -6855,7 +7263,11 @@
           <a:bodyPr/>
           <a:lstStyle/>
           <a:p>
-            <a:endParaRPr lang="en-IN"/>
+            <a:r>
+              <a:rPr lang="en-US" dirty="0" smtClean="0"/>
+              <a:t>Inheritance</a:t>
+            </a:r>
+            <a:endParaRPr lang="en-IN" dirty="0"/>
           </a:p>
         </p:txBody>
       </p:sp>
@@ -6871,10 +7283,83 @@
         </p:nvSpPr>
         <p:spPr/>
         <p:txBody>
-          <a:bodyPr/>
-          <a:lstStyle/>
-          <a:p>
-            <a:endParaRPr lang="en-IN"/>
+          <a:bodyPr>
+            <a:normAutofit fontScale="85000" lnSpcReduction="10000"/>
+          </a:bodyPr>
+          <a:lstStyle/>
+          <a:p>
+            <a:r>
+              <a:rPr lang="en-US" dirty="0"/>
+              <a:t>Inheritance is the process of defining a new object with the help of an existing object.</a:t>
+            </a:r>
+          </a:p>
+          <a:p>
+            <a:endParaRPr lang="en-US" dirty="0"/>
+          </a:p>
+          <a:p>
+            <a:r>
+              <a:rPr lang="en-US" dirty="0"/>
+              <a:t>In TypeScript we use the keyword extends to inherit.</a:t>
+            </a:r>
+          </a:p>
+          <a:p>
+            <a:endParaRPr lang="en-US" dirty="0"/>
+          </a:p>
+          <a:p>
+            <a:r>
+              <a:rPr lang="en-US" dirty="0"/>
+              <a:t>Let's take a look at two important things in inheritance with the popular </a:t>
+            </a:r>
+            <a:r>
+              <a:rPr lang="en-US" dirty="0" err="1"/>
+              <a:t>Iphone</a:t>
+            </a:r>
+            <a:r>
+              <a:rPr lang="en-US" dirty="0"/>
+              <a:t> example. The current version of </a:t>
+            </a:r>
+            <a:r>
+              <a:rPr lang="en-US" dirty="0" err="1"/>
+              <a:t>Iphone</a:t>
+            </a:r>
+            <a:r>
+              <a:rPr lang="en-US" dirty="0"/>
+              <a:t> out there is </a:t>
+            </a:r>
+            <a:r>
+              <a:rPr lang="en-US" dirty="0" err="1"/>
+              <a:t>Iphone</a:t>
+            </a:r>
+            <a:r>
+              <a:rPr lang="en-US" dirty="0"/>
+              <a:t> X.</a:t>
+            </a:r>
+          </a:p>
+          <a:p>
+            <a:endParaRPr lang="en-US" dirty="0"/>
+          </a:p>
+          <a:p>
+            <a:r>
+              <a:rPr lang="en-US" dirty="0"/>
+              <a:t>And </a:t>
+            </a:r>
+            <a:r>
+              <a:rPr lang="en-US" dirty="0" smtClean="0"/>
+              <a:t>if Apple </a:t>
+            </a:r>
+            <a:r>
+              <a:rPr lang="en-US" dirty="0"/>
+              <a:t>will release a next version soon.</a:t>
+            </a:r>
+          </a:p>
+          <a:p>
+            <a:endParaRPr lang="en-US" dirty="0"/>
+          </a:p>
+          <a:p>
+            <a:endParaRPr lang="en-US" dirty="0"/>
+          </a:p>
+          <a:p>
+            <a:endParaRPr lang="en-IN" dirty="0"/>
           </a:p>
         </p:txBody>
       </p:sp>
@@ -7053,10 +7538,72 @@
         </p:nvSpPr>
         <p:spPr/>
         <p:txBody>
-          <a:bodyPr/>
-          <a:lstStyle/>
-          <a:p>
-            <a:endParaRPr lang="en-IN"/>
+          <a:bodyPr>
+            <a:normAutofit fontScale="70000" lnSpcReduction="20000"/>
+          </a:bodyPr>
+          <a:lstStyle/>
+          <a:p>
+            <a:r>
+              <a:rPr lang="en-US" dirty="0"/>
+              <a:t>So the new version of </a:t>
+            </a:r>
+            <a:r>
+              <a:rPr lang="en-US" dirty="0" err="1"/>
+              <a:t>Iphone</a:t>
+            </a:r>
+            <a:r>
+              <a:rPr lang="en-US" dirty="0"/>
+              <a:t> that will be coming need not create everything from scratch.</a:t>
+            </a:r>
+          </a:p>
+          <a:p>
+            <a:endParaRPr lang="en-US" dirty="0"/>
+          </a:p>
+          <a:p>
+            <a:r>
+              <a:rPr lang="en-US" dirty="0"/>
+              <a:t>They can use some features and functionality that is available in </a:t>
+            </a:r>
+            <a:r>
+              <a:rPr lang="en-US" dirty="0" err="1"/>
+              <a:t>Iphone</a:t>
+            </a:r>
+            <a:r>
+              <a:rPr lang="en-US" dirty="0"/>
+              <a:t> X.</a:t>
+            </a:r>
+          </a:p>
+          <a:p>
+            <a:endParaRPr lang="en-US" dirty="0"/>
+          </a:p>
+          <a:p>
+            <a:r>
+              <a:rPr lang="en-US" dirty="0"/>
+              <a:t>The two important things in this process of inheritance are accessing the existing functionality and defining their own functionality.</a:t>
+            </a:r>
+          </a:p>
+          <a:p>
+            <a:endParaRPr lang="en-US" dirty="0"/>
+          </a:p>
+          <a:p>
+            <a:r>
+              <a:rPr lang="en-US" dirty="0"/>
+              <a:t>So a child class can access the existing functionality from a parent class. And if it wants it can update the functionality as well. For example, the new </a:t>
+            </a:r>
+            <a:r>
+              <a:rPr lang="en-US" dirty="0" err="1"/>
+              <a:t>Iphone</a:t>
+            </a:r>
+            <a:r>
+              <a:rPr lang="en-US" dirty="0"/>
+              <a:t> can access the existing functionality like taking pictures, sending out emails and all that.</a:t>
+            </a:r>
+          </a:p>
+          <a:p>
+            <a:endParaRPr lang="en-US" dirty="0"/>
+          </a:p>
+          <a:p>
+            <a:endParaRPr lang="en-IN" dirty="0"/>
           </a:p>
         </p:txBody>
       </p:sp>
@@ -7124,7 +7671,38 @@
           <a:bodyPr/>
           <a:lstStyle/>
           <a:p>
-            <a:endParaRPr lang="en-IN"/>
+            <a:r>
+              <a:rPr lang="en-US" dirty="0"/>
+              <a:t>And if it wants to update an existing functionality, it could be a better camera in the newer version, improved performance of the entire </a:t>
+            </a:r>
+            <a:r>
+              <a:rPr lang="en-US" dirty="0" err="1"/>
+              <a:t>Iphone</a:t>
+            </a:r>
+            <a:r>
+              <a:rPr lang="en-US" dirty="0"/>
+              <a:t> itself, </a:t>
+            </a:r>
+            <a:r>
+              <a:rPr lang="en-US" dirty="0" err="1"/>
+              <a:t>etc</a:t>
+            </a:r>
+            <a:r>
+              <a:rPr lang="en-US" dirty="0"/>
+              <a:t>, that can be done. </a:t>
+            </a:r>
+          </a:p>
+          <a:p>
+            <a:endParaRPr lang="en-US" dirty="0"/>
+          </a:p>
+          <a:p>
+            <a:r>
+              <a:rPr lang="en-US" dirty="0"/>
+              <a:t>Two other terms we hear when we talk about inheritance are reliability and is-a relationship.</a:t>
+            </a:r>
+          </a:p>
+          <a:p>
+            <a:endParaRPr lang="en-IN" dirty="0"/>
           </a:p>
         </p:txBody>
       </p:sp>
@@ -7158,44 +7736,70 @@
           <a:chExt cx="0" cy="0"/>
         </a:xfrm>
       </p:grpSpPr>
-      <p:sp>
-        <p:nvSpPr>
-          <p:cNvPr id="2" name="Title 1"/>
-          <p:cNvSpPr>
-            <a:spLocks noGrp="1"/>
-          </p:cNvSpPr>
-          <p:nvPr>
-            <p:ph type="title"/>
-          </p:nvPr>
-        </p:nvSpPr>
-        <p:spPr/>
-        <p:txBody>
-          <a:bodyPr/>
-          <a:lstStyle/>
-          <a:p>
-            <a:endParaRPr lang="en-IN"/>
-          </a:p>
-        </p:txBody>
-      </p:sp>
-      <p:sp>
-        <p:nvSpPr>
-          <p:cNvPr id="3" name="Content Placeholder 2"/>
-          <p:cNvSpPr>
-            <a:spLocks noGrp="1"/>
-          </p:cNvSpPr>
-          <p:nvPr>
-            <p:ph idx="1"/>
-          </p:nvPr>
-        </p:nvSpPr>
-        <p:spPr/>
-        <p:txBody>
-          <a:bodyPr/>
-          <a:lstStyle/>
-          <a:p>
-            <a:endParaRPr lang="en-IN"/>
-          </a:p>
-        </p:txBody>
-      </p:sp>
+      <p:pic>
+        <p:nvPicPr>
+          <p:cNvPr id="1026" name="Picture 2"/>
+          <p:cNvPicPr>
+            <a:picLocks noChangeAspect="1" noChangeArrowheads="1"/>
+          </p:cNvPicPr>
+          <p:nvPr/>
+        </p:nvPicPr>
+        <p:blipFill>
+          <a:blip r:embed="rId2">
+            <a:extLst>
+              <a:ext uri="{28A0092B-C50C-407E-A947-70E740481C1C}">
+                <a14:useLocalDpi xmlns:a14="http://schemas.microsoft.com/office/drawing/2010/main" val="0"/>
+              </a:ext>
+            </a:extLst>
+          </a:blip>
+          <a:srcRect/>
+          <a:stretch>
+            <a:fillRect/>
+          </a:stretch>
+        </p:blipFill>
+        <p:spPr bwMode="auto">
+          <a:xfrm>
+            <a:off x="2686050" y="1624013"/>
+            <a:ext cx="3771900" cy="3609975"/>
+          </a:xfrm>
+          <a:prstGeom prst="rect">
+            <a:avLst/>
+          </a:prstGeom>
+          <a:noFill/>
+          <a:ln>
+            <a:noFill/>
+          </a:ln>
+          <a:effectLst/>
+          <a:extLst>
+            <a:ext uri="{909E8E84-426E-40DD-AFC4-6F175D3DCCD1}">
+              <a14:hiddenFill xmlns:a14="http://schemas.microsoft.com/office/drawing/2010/main">
+                <a:solidFill>
+                  <a:schemeClr val="accent1"/>
+                </a:solidFill>
+              </a14:hiddenFill>
+            </a:ext>
+            <a:ext uri="{91240B29-F687-4F45-9708-019B960494DF}">
+              <a14:hiddenLine xmlns:a14="http://schemas.microsoft.com/office/drawing/2010/main" w="9525">
+                <a:solidFill>
+                  <a:schemeClr val="tx1"/>
+                </a:solidFill>
+                <a:miter lim="800000"/>
+                <a:headEnd/>
+                <a:tailEnd/>
+              </a14:hiddenLine>
+            </a:ext>
+            <a:ext uri="{AF507438-7753-43E0-B8FC-AC1667EBCBE1}">
+              <a14:hiddenEffects xmlns:a14="http://schemas.microsoft.com/office/drawing/2010/main">
+                <a:effectLst>
+                  <a:outerShdw dist="35921" dir="2700000" algn="ctr" rotWithShape="0">
+                    <a:schemeClr val="bg2"/>
+                  </a:outerShdw>
+                </a:effectLst>
+              </a14:hiddenEffects>
+            </a:ext>
+          </a:extLst>
+        </p:spPr>
+      </p:pic>
     </p:spTree>
     <p:extLst>
       <p:ext uri="{BB962C8B-B14F-4D97-AF65-F5344CB8AC3E}">
@@ -7236,38 +7840,30 @@
             <p:ph type="title"/>
           </p:nvPr>
         </p:nvSpPr>
-        <p:spPr/>
-        <p:txBody>
-          <a:bodyPr/>
-          <a:lstStyle/>
-          <a:p>
-            <a:endParaRPr lang="en-IN"/>
-          </a:p>
-        </p:txBody>
-      </p:sp>
-      <p:sp>
-        <p:nvSpPr>
-          <p:cNvPr id="3" name="Content Placeholder 2"/>
-          <p:cNvSpPr>
-            <a:spLocks noGrp="1"/>
-          </p:cNvSpPr>
-          <p:nvPr>
-            <p:ph idx="1"/>
-          </p:nvPr>
-        </p:nvSpPr>
-        <p:spPr/>
-        <p:txBody>
-          <a:bodyPr/>
-          <a:lstStyle/>
-          <a:p>
-            <a:endParaRPr lang="en-IN"/>
+        <p:spPr>
+          <a:xfrm>
+            <a:off x="539552" y="2204864"/>
+            <a:ext cx="8229600" cy="1143000"/>
+          </a:xfrm>
+        </p:spPr>
+        <p:txBody>
+          <a:bodyPr>
+            <a:normAutofit fontScale="90000"/>
+          </a:bodyPr>
+          <a:lstStyle/>
+          <a:p>
+            <a:r>
+              <a:rPr lang="en-US" dirty="0"/>
+              <a:t>Access Modifiers (public &amp; readonly) , Encapsulation  &amp; static </a:t>
+            </a:r>
+            <a:endParaRPr lang="en-IN" dirty="0"/>
           </a:p>
         </p:txBody>
       </p:sp>
     </p:spTree>
     <p:extLst>
       <p:ext uri="{BB962C8B-B14F-4D97-AF65-F5344CB8AC3E}">
-        <p14:creationId xmlns:p14="http://schemas.microsoft.com/office/powerpoint/2010/main" val="1582017309"/>
+        <p14:creationId xmlns:p14="http://schemas.microsoft.com/office/powerpoint/2010/main" val="4098109672"/>
       </p:ext>
     </p:extLst>
   </p:cSld>
@@ -7306,10 +7902,16 @@
         </p:nvSpPr>
         <p:spPr/>
         <p:txBody>
-          <a:bodyPr/>
-          <a:lstStyle/>
-          <a:p>
-            <a:endParaRPr lang="en-IN"/>
+          <a:bodyPr>
+            <a:normAutofit/>
+          </a:bodyPr>
+          <a:lstStyle/>
+          <a:p>
+            <a:r>
+              <a:rPr lang="en-US" dirty="0" smtClean="0"/>
+              <a:t>Public readonly</a:t>
+            </a:r>
+            <a:endParaRPr lang="en-IN" dirty="0"/>
           </a:p>
         </p:txBody>
       </p:sp>
@@ -7325,10 +7927,48 @@
         </p:nvSpPr>
         <p:spPr/>
         <p:txBody>
-          <a:bodyPr/>
-          <a:lstStyle/>
-          <a:p>
-            <a:endParaRPr lang="en-IN"/>
+          <a:bodyPr>
+            <a:normAutofit fontScale="77500" lnSpcReduction="20000"/>
+          </a:bodyPr>
+          <a:lstStyle/>
+          <a:p>
+            <a:r>
+              <a:rPr lang="en-US" dirty="0"/>
+              <a:t>The usage of public and readonly will affect the variables or properties on an object.</a:t>
+            </a:r>
+          </a:p>
+          <a:p>
+            <a:endParaRPr lang="en-US" dirty="0"/>
+          </a:p>
+          <a:p>
+            <a:r>
+              <a:rPr lang="en-US" dirty="0"/>
+              <a:t>So far everything we have done, you are aware of it. That is, by default all the properties of a class are public. Everything in TypeScript by default is public.</a:t>
+            </a:r>
+          </a:p>
+          <a:p>
+            <a:endParaRPr lang="en-US" dirty="0"/>
+          </a:p>
+          <a:p>
+            <a:r>
+              <a:rPr lang="en-US" dirty="0"/>
+              <a:t>You can explicitly state that something is public using the public keyword.</a:t>
+            </a:r>
+          </a:p>
+          <a:p>
+            <a:endParaRPr lang="en-US" dirty="0"/>
+          </a:p>
+          <a:p>
+            <a:r>
+              <a:rPr lang="en-US" dirty="0"/>
+              <a:t>Once you do that they can be accessed anywhere in the code.</a:t>
+            </a:r>
+          </a:p>
+          <a:p>
+            <a:endParaRPr lang="en-US" dirty="0"/>
+          </a:p>
+          <a:p>
+            <a:endParaRPr lang="en-IN" dirty="0"/>
           </a:p>
         </p:txBody>
       </p:sp>
@@ -7393,10 +8033,48 @@
         </p:nvSpPr>
         <p:spPr/>
         <p:txBody>
-          <a:bodyPr/>
-          <a:lstStyle/>
-          <a:p>
-            <a:endParaRPr lang="en-IN"/>
+          <a:bodyPr>
+            <a:normAutofit fontScale="77500" lnSpcReduction="20000"/>
+          </a:bodyPr>
+          <a:lstStyle/>
+          <a:p>
+            <a:r>
+              <a:rPr lang="en-US" dirty="0"/>
+              <a:t>So this property can be accessed by simply creating a object of this class.</a:t>
+            </a:r>
+          </a:p>
+          <a:p>
+            <a:pPr marL="0" indent="0">
+              <a:buNone/>
+            </a:pPr>
+            <a:endParaRPr lang="en-US" dirty="0"/>
+          </a:p>
+          <a:p>
+            <a:r>
+              <a:rPr lang="en-US" dirty="0"/>
+              <a:t>But now the second type of access specifier as I call them is public readonly. Once you do that you cannot change that property.</a:t>
+            </a:r>
+          </a:p>
+          <a:p>
+            <a:endParaRPr lang="en-US" dirty="0"/>
+          </a:p>
+          <a:p>
+            <a:r>
+              <a:rPr lang="en-US" dirty="0"/>
+              <a:t>So in your application if you want a certain property not to be changed anywhere else except for when it is initialized, use readonly on that property.</a:t>
+            </a:r>
+          </a:p>
+          <a:p>
+            <a:endParaRPr lang="en-US" dirty="0"/>
+          </a:p>
+          <a:p>
+            <a:r>
+              <a:rPr lang="en-US" dirty="0"/>
+              <a:t>This is supported only in TypeScript starting TypeScript 2.0.</a:t>
+            </a:r>
+          </a:p>
+          <a:p>
+            <a:endParaRPr lang="en-IN" dirty="0"/>
           </a:p>
         </p:txBody>
       </p:sp>
@@ -7445,7 +8123,15 @@
           <a:bodyPr/>
           <a:lstStyle/>
           <a:p>
-            <a:endParaRPr lang="en-IN"/>
+            <a:r>
+              <a:rPr lang="en-US" dirty="0" smtClean="0"/>
+              <a:t>Enca</a:t>
+            </a:r>
+            <a:r>
+              <a:rPr lang="en-US" dirty="0" smtClean="0"/>
+              <a:t>psulation</a:t>
+            </a:r>
+            <a:endParaRPr lang="en-IN" dirty="0"/>
           </a:p>
         </p:txBody>
       </p:sp>
@@ -7461,10 +8147,48 @@
         </p:nvSpPr>
         <p:spPr/>
         <p:txBody>
-          <a:bodyPr/>
-          <a:lstStyle/>
-          <a:p>
-            <a:endParaRPr lang="en-IN"/>
+          <a:bodyPr>
+            <a:normAutofit fontScale="70000" lnSpcReduction="20000"/>
+          </a:bodyPr>
+          <a:lstStyle/>
+          <a:p>
+            <a:r>
+              <a:rPr lang="en-US" dirty="0"/>
+              <a:t>Encapsulation is the process of binding the data and the code together or binding the data properties and the function or method properties on a object together.</a:t>
+            </a:r>
+          </a:p>
+          <a:p>
+            <a:endParaRPr lang="en-US" dirty="0"/>
+          </a:p>
+          <a:p>
+            <a:r>
+              <a:rPr lang="en-US" dirty="0"/>
+              <a:t>That way only that code will have access to that data and the other users of our classes and objects will not be directly able to access the data.</a:t>
+            </a:r>
+          </a:p>
+          <a:p>
+            <a:endParaRPr lang="en-US" dirty="0"/>
+          </a:p>
+          <a:p>
+            <a:r>
+              <a:rPr lang="en-US" dirty="0"/>
+              <a:t>We will achieve this by using a access specifier in TypeScript called private.</a:t>
+            </a:r>
+          </a:p>
+          <a:p>
+            <a:endParaRPr lang="en-US" dirty="0"/>
+          </a:p>
+          <a:p>
+            <a:r>
+              <a:rPr lang="en-US" dirty="0"/>
+              <a:t>So within our class using which we can create objects, if we define a property as private it cannot be accessed directly using the object of that class. </a:t>
+            </a:r>
+          </a:p>
+          <a:p>
+            <a:endParaRPr lang="en-US" dirty="0"/>
+          </a:p>
+          <a:p>
+            <a:endParaRPr lang="en-IN" dirty="0"/>
           </a:p>
         </p:txBody>
       </p:sp>
@@ -7529,10 +8253,53 @@
         </p:nvSpPr>
         <p:spPr/>
         <p:txBody>
-          <a:bodyPr/>
-          <a:lstStyle/>
-          <a:p>
-            <a:endParaRPr lang="en-IN"/>
+          <a:bodyPr>
+            <a:normAutofit fontScale="55000" lnSpcReduction="20000"/>
+          </a:bodyPr>
+          <a:lstStyle/>
+          <a:p>
+            <a:r>
+              <a:rPr lang="en-US" dirty="0"/>
+              <a:t>To access this private property they will have to go through the setter and getter accessor methods we define or any other method or function within this class can access this property.</a:t>
+            </a:r>
+          </a:p>
+          <a:p>
+            <a:endParaRPr lang="en-US" dirty="0"/>
+          </a:p>
+          <a:p>
+            <a:r>
+              <a:rPr lang="en-US" dirty="0"/>
+              <a:t>So the users of this particular class called Student, if they want to access this private property they will have to go through one of the methods that is available on this class that uses that property or that gives access to this property.</a:t>
+            </a:r>
+          </a:p>
+          <a:p>
+            <a:endParaRPr lang="en-US" dirty="0"/>
+          </a:p>
+          <a:p>
+            <a:r>
+              <a:rPr lang="en-US" dirty="0"/>
+              <a:t>So this property here is now protected. If they are trying to set a value on this property they will have to do it using the set accessor method. Within that method, we can do any type of validations before we assign the value to the name.</a:t>
+            </a:r>
+          </a:p>
+          <a:p>
+            <a:endParaRPr lang="en-US" dirty="0"/>
+          </a:p>
+          <a:p>
+            <a:r>
+              <a:rPr lang="en-US" dirty="0"/>
+              <a:t>That is the power of encapsulation. We are protecting our data and making sure that it is being used correctly through the get and setter </a:t>
+            </a:r>
+            <a:r>
+              <a:rPr lang="en-US" dirty="0" err="1"/>
+              <a:t>accessors</a:t>
+            </a:r>
+            <a:r>
+              <a:rPr lang="en-US" dirty="0"/>
+              <a:t>.</a:t>
+            </a:r>
+          </a:p>
+          <a:p>
+            <a:endParaRPr lang="en-IN" dirty="0"/>
           </a:p>
         </p:txBody>
       </p:sp>
@@ -7581,7 +8348,11 @@
           <a:bodyPr/>
           <a:lstStyle/>
           <a:p>
-            <a:endParaRPr lang="en-IN"/>
+            <a:r>
+              <a:rPr lang="en-US" dirty="0" smtClean="0"/>
+              <a:t>Static </a:t>
+            </a:r>
+            <a:endParaRPr lang="en-IN" dirty="0"/>
           </a:p>
         </p:txBody>
       </p:sp>
@@ -7597,10 +8368,30 @@
         </p:nvSpPr>
         <p:spPr/>
         <p:txBody>
-          <a:bodyPr/>
-          <a:lstStyle/>
-          <a:p>
-            <a:endParaRPr lang="en-IN"/>
+          <a:bodyPr>
+            <a:normAutofit/>
+          </a:bodyPr>
+          <a:lstStyle/>
+          <a:p>
+            <a:r>
+              <a:rPr lang="en-US" dirty="0"/>
+              <a:t>how to define class or static </a:t>
+            </a:r>
+            <a:r>
+              <a:rPr lang="en-US" dirty="0" smtClean="0"/>
+              <a:t>properties &amp; static methods :</a:t>
+            </a:r>
+            <a:endParaRPr lang="en-US" dirty="0"/>
+          </a:p>
+          <a:p>
+            <a:endParaRPr lang="en-US" dirty="0" smtClean="0"/>
+          </a:p>
+          <a:p>
+            <a:r>
+              <a:rPr lang="en-US" dirty="0" smtClean="0"/>
+              <a:t>Common Properties &amp; behavior</a:t>
+            </a:r>
+            <a:endParaRPr lang="en-US" dirty="0"/>
           </a:p>
         </p:txBody>
       </p:sp>
@@ -7649,7 +8440,11 @@
           <a:bodyPr/>
           <a:lstStyle/>
           <a:p>
-            <a:endParaRPr lang="en-IN"/>
+            <a:r>
+              <a:rPr lang="en-US" dirty="0" smtClean="0"/>
+              <a:t>Polymorphism</a:t>
+            </a:r>
+            <a:endParaRPr lang="en-IN" dirty="0"/>
           </a:p>
         </p:txBody>
       </p:sp>
@@ -7668,7 +8463,11 @@
           <a:bodyPr/>
           <a:lstStyle/>
           <a:p>
-            <a:endParaRPr lang="en-IN"/>
+            <a:r>
+              <a:rPr lang="en-US" dirty="0"/>
+              <a:t>The concept of polymorphism Polly means multi morphic means shapes are forms in the world of object oriented programming.</a:t>
+            </a:r>
+            <a:endParaRPr lang="en-IN" dirty="0"/>
           </a:p>
         </p:txBody>
       </p:sp>
@@ -7821,7 +8620,11 @@
           <a:bodyPr/>
           <a:lstStyle/>
           <a:p>
-            <a:endParaRPr lang="en-IN"/>
+            <a:r>
+              <a:rPr lang="en-US" dirty="0" smtClean="0"/>
+              <a:t>Typecasting</a:t>
+            </a:r>
+            <a:endParaRPr lang="en-IN" dirty="0"/>
           </a:p>
         </p:txBody>
       </p:sp>
@@ -7840,7 +8643,29 @@
           <a:bodyPr/>
           <a:lstStyle/>
           <a:p>
-            <a:endParaRPr lang="en-IN"/>
+            <a:endParaRPr lang="en-US" dirty="0" smtClean="0"/>
+          </a:p>
+          <a:p>
+            <a:endParaRPr lang="en-US" dirty="0"/>
+          </a:p>
+          <a:p>
+            <a:r>
+              <a:rPr lang="en-US" dirty="0" smtClean="0"/>
+              <a:t>String to numeric </a:t>
+            </a:r>
+          </a:p>
+          <a:p>
+            <a:r>
+              <a:rPr lang="en-US" dirty="0" smtClean="0"/>
+              <a:t>Using the toString method</a:t>
+            </a:r>
+          </a:p>
+          <a:p>
+            <a:r>
+              <a:rPr lang="en-US" dirty="0" smtClean="0"/>
+              <a:t>Object Casting</a:t>
+            </a:r>
+            <a:endParaRPr lang="en-IN" dirty="0"/>
           </a:p>
         </p:txBody>
       </p:sp>
@@ -7889,7 +8714,11 @@
           <a:bodyPr/>
           <a:lstStyle/>
           <a:p>
-            <a:endParaRPr lang="en-IN"/>
+            <a:r>
+              <a:rPr lang="en-US" dirty="0" smtClean="0"/>
+              <a:t>Modules</a:t>
+            </a:r>
+            <a:endParaRPr lang="en-IN" dirty="0"/>
           </a:p>
         </p:txBody>
       </p:sp>
@@ -7905,10 +8734,44 @@
         </p:nvSpPr>
         <p:spPr/>
         <p:txBody>
-          <a:bodyPr/>
-          <a:lstStyle/>
-          <a:p>
-            <a:endParaRPr lang="en-IN"/>
+          <a:bodyPr>
+            <a:normAutofit fontScale="85000" lnSpcReduction="20000"/>
+          </a:bodyPr>
+          <a:lstStyle/>
+          <a:p>
+            <a:r>
+              <a:rPr lang="en-US" dirty="0"/>
+              <a:t>In JavaScript ES5 standard, </a:t>
+            </a:r>
+            <a:r>
+              <a:rPr lang="en-US" dirty="0" smtClean="0"/>
+              <a:t>up to </a:t>
+            </a:r>
+            <a:r>
+              <a:rPr lang="en-US" dirty="0"/>
+              <a:t>the ES5 standard there is no concept of modules.</a:t>
+            </a:r>
+          </a:p>
+          <a:p>
+            <a:endParaRPr lang="en-US" dirty="0"/>
+          </a:p>
+          <a:p>
+            <a:r>
+              <a:rPr lang="en-US" dirty="0"/>
+              <a:t>That is, if you want to use one JavaScript file within another one, that is all the functionality or the properties available in one JavaScript within another JavaScript, we'll have to use the script tag and include that script and then use the functionality or properties which is painful.</a:t>
+            </a:r>
+          </a:p>
+          <a:p>
+            <a:endParaRPr lang="en-US" dirty="0"/>
+          </a:p>
+          <a:p>
+            <a:r>
+              <a:rPr lang="en-US" dirty="0"/>
+              <a:t>That is why the JavaScript community has worked around using a library called CommonJS.</a:t>
+            </a:r>
+          </a:p>
+          <a:p>
+            <a:endParaRPr lang="en-US" dirty="0"/>
           </a:p>
         </p:txBody>
       </p:sp>
@@ -7973,10 +8836,46 @@
         </p:nvSpPr>
         <p:spPr/>
         <p:txBody>
-          <a:bodyPr/>
-          <a:lstStyle/>
-          <a:p>
-            <a:endParaRPr lang="en-IN"/>
+          <a:bodyPr>
+            <a:normAutofit fontScale="77500" lnSpcReduction="20000"/>
+          </a:bodyPr>
+          <a:lstStyle/>
+          <a:p>
+            <a:r>
+              <a:rPr lang="en-US" dirty="0"/>
+              <a:t>And there are several other libraries like this which are module loading systems. Using these we can export out modules and import those modules in other scripts.</a:t>
+            </a:r>
+          </a:p>
+          <a:p>
+            <a:endParaRPr lang="en-US" dirty="0"/>
+          </a:p>
+          <a:p>
+            <a:r>
+              <a:rPr lang="en-US" dirty="0"/>
+              <a:t>TypeScript has inbuilt support for a module based system. </a:t>
+            </a:r>
+          </a:p>
+          <a:p>
+            <a:endParaRPr lang="en-US" dirty="0"/>
+          </a:p>
+          <a:p>
+            <a:r>
+              <a:rPr lang="en-US" dirty="0"/>
+              <a:t>TypeScript internally using this CommonJS library by default and we can switch to other libraries as well if required.</a:t>
+            </a:r>
+          </a:p>
+          <a:p>
+            <a:endParaRPr lang="en-US" dirty="0"/>
+          </a:p>
+          <a:p>
+            <a:r>
+              <a:rPr lang="en-US" dirty="0"/>
+              <a:t>Starting the JavaScript version ES6, it will have the support for modules as well.</a:t>
+            </a:r>
+            <a:endParaRPr lang="en-IN" dirty="0"/>
+          </a:p>
+          <a:p>
+            <a:endParaRPr lang="en-IN" dirty="0"/>
           </a:p>
         </p:txBody>
       </p:sp>
@@ -8044,7 +8943,35 @@
           <a:bodyPr/>
           <a:lstStyle/>
           <a:p>
-            <a:endParaRPr lang="en-IN"/>
+            <a:r>
+              <a:rPr lang="en-US" dirty="0" smtClean="0"/>
+              <a:t>Using Function Modules</a:t>
+            </a:r>
+          </a:p>
+          <a:p>
+            <a:r>
+              <a:rPr lang="en-US" dirty="0" smtClean="0"/>
+              <a:t>Import Aliasing and Alternate Export Syntax</a:t>
+            </a:r>
+          </a:p>
+          <a:p>
+            <a:r>
+              <a:rPr lang="en-US" dirty="0" smtClean="0"/>
+              <a:t>Default Exports</a:t>
+            </a:r>
+          </a:p>
+          <a:p>
+            <a:r>
+              <a:rPr lang="en-US" dirty="0" smtClean="0"/>
+              <a:t>Class Modules </a:t>
+            </a:r>
+          </a:p>
+          <a:p>
+            <a:r>
+              <a:rPr lang="en-US" dirty="0" smtClean="0"/>
+              <a:t>Aliasing class modules </a:t>
+            </a:r>
+            <a:endParaRPr lang="en-IN" dirty="0"/>
           </a:p>
         </p:txBody>
       </p:sp>
@@ -8093,7 +9020,11 @@
           <a:bodyPr/>
           <a:lstStyle/>
           <a:p>
-            <a:endParaRPr lang="en-IN"/>
+            <a:r>
+              <a:rPr lang="en-US" dirty="0" smtClean="0"/>
+              <a:t>More Types</a:t>
+            </a:r>
+            <a:endParaRPr lang="en-IN" dirty="0"/>
           </a:p>
         </p:txBody>
       </p:sp>
@@ -8109,10 +9040,54 @@
         </p:nvSpPr>
         <p:spPr/>
         <p:txBody>
-          <a:bodyPr/>
-          <a:lstStyle/>
-          <a:p>
-            <a:endParaRPr lang="en-IN"/>
+          <a:bodyPr>
+            <a:normAutofit fontScale="62500" lnSpcReduction="20000"/>
+          </a:bodyPr>
+          <a:lstStyle/>
+          <a:p>
+            <a:r>
+              <a:rPr lang="en-US" dirty="0"/>
+              <a:t>various other types that we can use in TypeScript, starting with a map and set up the map and set data structures are supported starting Es6 in JavaScript and TypeScript also supports them.</a:t>
+            </a:r>
+          </a:p>
+          <a:p>
+            <a:endParaRPr lang="en-US" dirty="0"/>
+          </a:p>
+          <a:p>
+            <a:r>
+              <a:rPr lang="en-US" dirty="0"/>
+              <a:t>MAP is a key value pair data structure. You can add any number of entries to a map which are key value pairs.</a:t>
+            </a:r>
+          </a:p>
+          <a:p>
+            <a:endParaRPr lang="en-US" dirty="0"/>
+          </a:p>
+          <a:p>
+            <a:r>
+              <a:rPr lang="en-US" dirty="0"/>
+              <a:t>The key can be of any type and the value can be of any type as well to create a map.</a:t>
+            </a:r>
+          </a:p>
+          <a:p>
+            <a:endParaRPr lang="en-US" dirty="0"/>
+          </a:p>
+          <a:p>
+            <a:r>
+              <a:rPr lang="en-US" dirty="0"/>
+              <a:t>We use the map class and we create an object of type map. We can initialize it right when we create it, or we can add elements to a map using the set method where we pass the key.</a:t>
+            </a:r>
+          </a:p>
+          <a:p>
+            <a:endParaRPr lang="en-US" dirty="0"/>
+          </a:p>
+          <a:p>
+            <a:r>
+              <a:rPr lang="en-US" dirty="0"/>
+              <a:t>And the value has several useful methods like delete to delete an entry, bypassing the key.</a:t>
+            </a:r>
+          </a:p>
+          <a:p>
+            <a:endParaRPr lang="en-US" dirty="0"/>
           </a:p>
         </p:txBody>
       </p:sp>
@@ -8177,8 +9152,53 @@
         </p:nvSpPr>
         <p:spPr/>
         <p:txBody>
-          <a:bodyPr/>
-          <a:lstStyle/>
+          <a:bodyPr>
+            <a:normAutofit fontScale="70000" lnSpcReduction="20000"/>
+          </a:bodyPr>
+          <a:lstStyle/>
+          <a:p>
+            <a:r>
+              <a:rPr lang="en-US" dirty="0"/>
+              <a:t>The hassle will check if the map has a particular entry with the given key and then we can iterate using the keys by invoking the Keys.</a:t>
+            </a:r>
+          </a:p>
+          <a:p>
+            <a:endParaRPr lang="en-US" dirty="0"/>
+          </a:p>
+          <a:p>
+            <a:r>
+              <a:rPr lang="en-US" dirty="0"/>
+              <a:t>Method will get all the keys. By invoking the values method.</a:t>
+            </a:r>
+          </a:p>
+          <a:p>
+            <a:endParaRPr lang="en-US" dirty="0"/>
+          </a:p>
+          <a:p>
+            <a:r>
+              <a:rPr lang="en-US" dirty="0"/>
+              <a:t>We get all the values and by invoking the entry method, we get all the entries in them happy.</a:t>
+            </a:r>
+          </a:p>
+          <a:p>
+            <a:endParaRPr lang="en-US" dirty="0"/>
+          </a:p>
+          <a:p>
+            <a:r>
+              <a:rPr lang="en-US" dirty="0"/>
+              <a:t>And then set is a data structure which can be used to dynamically add any type of data and said does not allow duplicates.</a:t>
+            </a:r>
+          </a:p>
+          <a:p>
+            <a:endParaRPr lang="en-US" dirty="0"/>
+          </a:p>
+          <a:p>
+            <a:r>
+              <a:rPr lang="en-US" dirty="0"/>
+              <a:t>We will learn how to use set and some of the methods on set as well.</a:t>
+            </a:r>
+            <a:endParaRPr lang="en-IN"/>
+          </a:p>
           <a:p>
             <a:endParaRPr lang="en-IN"/>
           </a:p>
